--- a/Proposal Docs/hr_proposal.pptx
+++ b/Proposal Docs/hr_proposal.pptx
@@ -4,6 +4,14 @@
   <p:sldMasterIdLst>
     <p:sldMasterId id="2147483648" r:id="rId1"/>
   </p:sldMasterIdLst>
+  <p:sldIdLst>
+    <p:sldId id="256" r:id="rId2"/>
+    <p:sldId id="257" r:id="rId3"/>
+    <p:sldId id="258" r:id="rId4"/>
+    <p:sldId id="259" r:id="rId5"/>
+    <p:sldId id="260" r:id="rId6"/>
+    <p:sldId id="261" r:id="rId7"/>
+  </p:sldIdLst>
   <p:sldSz cx="9144000" cy="6858000" type="screen4x3"/>
   <p:notesSz cx="6858000" cy="9144000"/>
   <p:defaultTextStyle>
@@ -286,7 +294,7 @@
             <a:fld id="{1D8BD707-D9CF-40AE-B4C6-C98DA3205C09}" type="datetimeFigureOut">
               <a:rPr lang="en-US" smtClean="0"/>
               <a:pPr/>
-              <a:t>9/18/2006</a:t>
+              <a:t>1/18/2014</a:t>
             </a:fld>
             <a:endParaRPr lang="en-US"/>
           </a:p>
@@ -453,7 +461,7 @@
             <a:fld id="{1D8BD707-D9CF-40AE-B4C6-C98DA3205C09}" type="datetimeFigureOut">
               <a:rPr lang="en-US" smtClean="0"/>
               <a:pPr/>
-              <a:t>9/18/2006</a:t>
+              <a:t>1/18/2014</a:t>
             </a:fld>
             <a:endParaRPr lang="en-US"/>
           </a:p>
@@ -630,7 +638,7 @@
             <a:fld id="{1D8BD707-D9CF-40AE-B4C6-C98DA3205C09}" type="datetimeFigureOut">
               <a:rPr lang="en-US" smtClean="0"/>
               <a:pPr/>
-              <a:t>9/18/2006</a:t>
+              <a:t>1/18/2014</a:t>
             </a:fld>
             <a:endParaRPr lang="en-US"/>
           </a:p>
@@ -797,7 +805,7 @@
             <a:fld id="{1D8BD707-D9CF-40AE-B4C6-C98DA3205C09}" type="datetimeFigureOut">
               <a:rPr lang="en-US" smtClean="0"/>
               <a:pPr/>
-              <a:t>9/18/2006</a:t>
+              <a:t>1/18/2014</a:t>
             </a:fld>
             <a:endParaRPr lang="en-US"/>
           </a:p>
@@ -1040,7 +1048,7 @@
             <a:fld id="{1D8BD707-D9CF-40AE-B4C6-C98DA3205C09}" type="datetimeFigureOut">
               <a:rPr lang="en-US" smtClean="0"/>
               <a:pPr/>
-              <a:t>9/18/2006</a:t>
+              <a:t>1/18/2014</a:t>
             </a:fld>
             <a:endParaRPr lang="en-US"/>
           </a:p>
@@ -1325,7 +1333,7 @@
             <a:fld id="{1D8BD707-D9CF-40AE-B4C6-C98DA3205C09}" type="datetimeFigureOut">
               <a:rPr lang="en-US" smtClean="0"/>
               <a:pPr/>
-              <a:t>9/18/2006</a:t>
+              <a:t>1/18/2014</a:t>
             </a:fld>
             <a:endParaRPr lang="en-US"/>
           </a:p>
@@ -1744,7 +1752,7 @@
             <a:fld id="{1D8BD707-D9CF-40AE-B4C6-C98DA3205C09}" type="datetimeFigureOut">
               <a:rPr lang="en-US" smtClean="0"/>
               <a:pPr/>
-              <a:t>9/18/2006</a:t>
+              <a:t>1/18/2014</a:t>
             </a:fld>
             <a:endParaRPr lang="en-US"/>
           </a:p>
@@ -1859,7 +1867,7 @@
             <a:fld id="{1D8BD707-D9CF-40AE-B4C6-C98DA3205C09}" type="datetimeFigureOut">
               <a:rPr lang="en-US" smtClean="0"/>
               <a:pPr/>
-              <a:t>9/18/2006</a:t>
+              <a:t>1/18/2014</a:t>
             </a:fld>
             <a:endParaRPr lang="en-US"/>
           </a:p>
@@ -1951,7 +1959,7 @@
             <a:fld id="{1D8BD707-D9CF-40AE-B4C6-C98DA3205C09}" type="datetimeFigureOut">
               <a:rPr lang="en-US" smtClean="0"/>
               <a:pPr/>
-              <a:t>9/18/2006</a:t>
+              <a:t>1/18/2014</a:t>
             </a:fld>
             <a:endParaRPr lang="en-US"/>
           </a:p>
@@ -2225,7 +2233,7 @@
             <a:fld id="{1D8BD707-D9CF-40AE-B4C6-C98DA3205C09}" type="datetimeFigureOut">
               <a:rPr lang="en-US" smtClean="0"/>
               <a:pPr/>
-              <a:t>9/18/2006</a:t>
+              <a:t>1/18/2014</a:t>
             </a:fld>
             <a:endParaRPr lang="en-US"/>
           </a:p>
@@ -2475,7 +2483,7 @@
             <a:fld id="{1D8BD707-D9CF-40AE-B4C6-C98DA3205C09}" type="datetimeFigureOut">
               <a:rPr lang="en-US" smtClean="0"/>
               <a:pPr/>
-              <a:t>9/18/2006</a:t>
+              <a:t>1/18/2014</a:t>
             </a:fld>
             <a:endParaRPr lang="en-US"/>
           </a:p>
@@ -2685,7 +2693,7 @@
             <a:fld id="{1D8BD707-D9CF-40AE-B4C6-C98DA3205C09}" type="datetimeFigureOut">
               <a:rPr lang="en-US" smtClean="0"/>
               <a:pPr/>
-              <a:t>9/18/2006</a:t>
+              <a:t>1/18/2014</a:t>
             </a:fld>
             <a:endParaRPr lang="en-US"/>
           </a:p>
@@ -3037,6 +3045,462 @@
     </p:otherStyle>
   </p:txStyles>
 </p:sldMaster>
+</file>
+
+<file path=ppt/slides/slide1.xml><?xml version="1.0" encoding="utf-8"?>
+<p:sld xmlns:a="http://schemas.openxmlformats.org/drawingml/2006/main" xmlns:r="http://schemas.openxmlformats.org/officeDocument/2006/relationships" xmlns:p="http://schemas.openxmlformats.org/presentationml/2006/main">
+  <p:cSld>
+    <p:spTree>
+      <p:nvGrpSpPr>
+        <p:cNvPr id="1" name=""/>
+        <p:cNvGrpSpPr/>
+        <p:nvPr/>
+      </p:nvGrpSpPr>
+      <p:grpSpPr>
+        <a:xfrm>
+          <a:off x="0" y="0"/>
+          <a:ext cx="0" cy="0"/>
+          <a:chOff x="0" y="0"/>
+          <a:chExt cx="0" cy="0"/>
+        </a:xfrm>
+      </p:grpSpPr>
+      <p:sp>
+        <p:nvSpPr>
+          <p:cNvPr id="2" name="Title 1"/>
+          <p:cNvSpPr>
+            <a:spLocks noGrp="1"/>
+          </p:cNvSpPr>
+          <p:nvPr>
+            <p:ph type="ctrTitle"/>
+          </p:nvPr>
+        </p:nvSpPr>
+        <p:spPr/>
+        <p:txBody>
+          <a:bodyPr>
+            <a:normAutofit/>
+          </a:bodyPr>
+          <a:lstStyle/>
+          <a:p>
+            <a:r>
+              <a:rPr lang="en-US" b="1" dirty="0" smtClean="0"/>
+              <a:t>Human Resource and Provident Found </a:t>
+            </a:r>
+            <a:r>
+              <a:rPr lang="en-US" b="1" dirty="0" smtClean="0"/>
+              <a:t>System</a:t>
+            </a:r>
+            <a:endParaRPr lang="en-US" dirty="0"/>
+          </a:p>
+        </p:txBody>
+      </p:sp>
+      <p:sp>
+        <p:nvSpPr>
+          <p:cNvPr id="3" name="Subtitle 2"/>
+          <p:cNvSpPr>
+            <a:spLocks noGrp="1"/>
+          </p:cNvSpPr>
+          <p:nvPr>
+            <p:ph type="subTitle" idx="1"/>
+          </p:nvPr>
+        </p:nvSpPr>
+        <p:spPr/>
+        <p:txBody>
+          <a:bodyPr/>
+          <a:lstStyle/>
+          <a:p>
+            <a:r>
+              <a:rPr lang="en-US" b="1" dirty="0" smtClean="0"/>
+              <a:t>SUBMITTED BY: INFINITY IDEA </a:t>
+            </a:r>
+            <a:r>
+              <a:rPr lang="en-US" b="1" dirty="0" smtClean="0"/>
+              <a:t>EXPLORE</a:t>
+            </a:r>
+            <a:endParaRPr lang="en-US" dirty="0" smtClean="0"/>
+          </a:p>
+        </p:txBody>
+      </p:sp>
+    </p:spTree>
+  </p:cSld>
+  <p:clrMapOvr>
+    <a:masterClrMapping/>
+  </p:clrMapOvr>
+</p:sld>
+</file>
+
+<file path=ppt/slides/slide2.xml><?xml version="1.0" encoding="utf-8"?>
+<p:sld xmlns:a="http://schemas.openxmlformats.org/drawingml/2006/main" xmlns:r="http://schemas.openxmlformats.org/officeDocument/2006/relationships" xmlns:p="http://schemas.openxmlformats.org/presentationml/2006/main">
+  <p:cSld>
+    <p:spTree>
+      <p:nvGrpSpPr>
+        <p:cNvPr id="1" name=""/>
+        <p:cNvGrpSpPr/>
+        <p:nvPr/>
+      </p:nvGrpSpPr>
+      <p:grpSpPr>
+        <a:xfrm>
+          <a:off x="0" y="0"/>
+          <a:ext cx="0" cy="0"/>
+          <a:chOff x="0" y="0"/>
+          <a:chExt cx="0" cy="0"/>
+        </a:xfrm>
+      </p:grpSpPr>
+      <p:sp>
+        <p:nvSpPr>
+          <p:cNvPr id="2" name="Title 1"/>
+          <p:cNvSpPr>
+            <a:spLocks noGrp="1"/>
+          </p:cNvSpPr>
+          <p:nvPr>
+            <p:ph type="title"/>
+          </p:nvPr>
+        </p:nvSpPr>
+        <p:spPr/>
+        <p:txBody>
+          <a:bodyPr>
+            <a:normAutofit/>
+          </a:bodyPr>
+          <a:lstStyle/>
+          <a:p>
+            <a:r>
+              <a:rPr lang="en-US" dirty="0" smtClean="0"/>
+              <a:t>Agenda</a:t>
+            </a:r>
+            <a:endParaRPr lang="en-US" dirty="0"/>
+          </a:p>
+        </p:txBody>
+      </p:sp>
+      <p:sp>
+        <p:nvSpPr>
+          <p:cNvPr id="3" name="Content Placeholder 2"/>
+          <p:cNvSpPr>
+            <a:spLocks noGrp="1"/>
+          </p:cNvSpPr>
+          <p:nvPr>
+            <p:ph idx="1"/>
+          </p:nvPr>
+        </p:nvSpPr>
+        <p:spPr/>
+        <p:txBody>
+          <a:bodyPr/>
+          <a:lstStyle/>
+          <a:p>
+            <a:r>
+              <a:rPr lang="en-US" dirty="0" smtClean="0"/>
+              <a:t>What Is Automation?</a:t>
+            </a:r>
+          </a:p>
+          <a:p>
+            <a:r>
+              <a:rPr lang="en-US" dirty="0" smtClean="0"/>
+              <a:t>Important Of Automation</a:t>
+            </a:r>
+          </a:p>
+          <a:p>
+            <a:r>
+              <a:rPr lang="en-US" dirty="0" smtClean="0"/>
+              <a:t>Human Resource </a:t>
+            </a:r>
+            <a:r>
+              <a:rPr lang="en-US" dirty="0" smtClean="0"/>
+              <a:t>System</a:t>
+            </a:r>
+          </a:p>
+          <a:p>
+            <a:r>
+              <a:rPr lang="en-US" dirty="0" smtClean="0"/>
+              <a:t>Provident Found System</a:t>
+            </a:r>
+            <a:endParaRPr lang="en-US" dirty="0"/>
+          </a:p>
+        </p:txBody>
+      </p:sp>
+    </p:spTree>
+  </p:cSld>
+  <p:clrMapOvr>
+    <a:masterClrMapping/>
+  </p:clrMapOvr>
+</p:sld>
+</file>
+
+<file path=ppt/slides/slide3.xml><?xml version="1.0" encoding="utf-8"?>
+<p:sld xmlns:a="http://schemas.openxmlformats.org/drawingml/2006/main" xmlns:r="http://schemas.openxmlformats.org/officeDocument/2006/relationships" xmlns:p="http://schemas.openxmlformats.org/presentationml/2006/main">
+  <p:cSld>
+    <p:spTree>
+      <p:nvGrpSpPr>
+        <p:cNvPr id="1" name=""/>
+        <p:cNvGrpSpPr/>
+        <p:nvPr/>
+      </p:nvGrpSpPr>
+      <p:grpSpPr>
+        <a:xfrm>
+          <a:off x="0" y="0"/>
+          <a:ext cx="0" cy="0"/>
+          <a:chOff x="0" y="0"/>
+          <a:chExt cx="0" cy="0"/>
+        </a:xfrm>
+      </p:grpSpPr>
+      <p:sp>
+        <p:nvSpPr>
+          <p:cNvPr id="2" name="Title 1"/>
+          <p:cNvSpPr>
+            <a:spLocks noGrp="1"/>
+          </p:cNvSpPr>
+          <p:nvPr>
+            <p:ph type="title"/>
+          </p:nvPr>
+        </p:nvSpPr>
+        <p:spPr/>
+        <p:txBody>
+          <a:bodyPr/>
+          <a:lstStyle/>
+          <a:p>
+            <a:r>
+              <a:rPr lang="en-US" dirty="0" smtClean="0"/>
+              <a:t>What Is Automation?</a:t>
+            </a:r>
+            <a:endParaRPr lang="en-US" dirty="0"/>
+          </a:p>
+        </p:txBody>
+      </p:sp>
+      <p:sp>
+        <p:nvSpPr>
+          <p:cNvPr id="3" name="Content Placeholder 2"/>
+          <p:cNvSpPr>
+            <a:spLocks noGrp="1"/>
+          </p:cNvSpPr>
+          <p:nvPr>
+            <p:ph idx="1"/>
+          </p:nvPr>
+        </p:nvSpPr>
+        <p:spPr/>
+        <p:txBody>
+          <a:bodyPr/>
+          <a:lstStyle/>
+          <a:p>
+            <a:pPr>
+              <a:buNone/>
+            </a:pPr>
+            <a:endParaRPr lang="en-US" dirty="0"/>
+          </a:p>
+        </p:txBody>
+      </p:sp>
+    </p:spTree>
+  </p:cSld>
+  <p:clrMapOvr>
+    <a:masterClrMapping/>
+  </p:clrMapOvr>
+</p:sld>
+</file>
+
+<file path=ppt/slides/slide4.xml><?xml version="1.0" encoding="utf-8"?>
+<p:sld xmlns:a="http://schemas.openxmlformats.org/drawingml/2006/main" xmlns:r="http://schemas.openxmlformats.org/officeDocument/2006/relationships" xmlns:p="http://schemas.openxmlformats.org/presentationml/2006/main">
+  <p:cSld>
+    <p:spTree>
+      <p:nvGrpSpPr>
+        <p:cNvPr id="1" name=""/>
+        <p:cNvGrpSpPr/>
+        <p:nvPr/>
+      </p:nvGrpSpPr>
+      <p:grpSpPr>
+        <a:xfrm>
+          <a:off x="0" y="0"/>
+          <a:ext cx="0" cy="0"/>
+          <a:chOff x="0" y="0"/>
+          <a:chExt cx="0" cy="0"/>
+        </a:xfrm>
+      </p:grpSpPr>
+      <p:sp>
+        <p:nvSpPr>
+          <p:cNvPr id="2" name="Title 1"/>
+          <p:cNvSpPr>
+            <a:spLocks noGrp="1"/>
+          </p:cNvSpPr>
+          <p:nvPr>
+            <p:ph type="title"/>
+          </p:nvPr>
+        </p:nvSpPr>
+        <p:spPr/>
+        <p:txBody>
+          <a:bodyPr/>
+          <a:lstStyle/>
+          <a:p>
+            <a:r>
+              <a:rPr lang="en-US" dirty="0" smtClean="0"/>
+              <a:t>Important Of Automation</a:t>
+            </a:r>
+            <a:endParaRPr lang="en-US" dirty="0"/>
+          </a:p>
+        </p:txBody>
+      </p:sp>
+      <p:sp>
+        <p:nvSpPr>
+          <p:cNvPr id="3" name="Content Placeholder 2"/>
+          <p:cNvSpPr>
+            <a:spLocks noGrp="1"/>
+          </p:cNvSpPr>
+          <p:nvPr>
+            <p:ph idx="1"/>
+          </p:nvPr>
+        </p:nvSpPr>
+        <p:spPr/>
+        <p:txBody>
+          <a:bodyPr/>
+          <a:lstStyle/>
+          <a:p>
+            <a:pPr>
+              <a:buNone/>
+            </a:pPr>
+            <a:endParaRPr lang="en-US" dirty="0"/>
+          </a:p>
+        </p:txBody>
+      </p:sp>
+    </p:spTree>
+  </p:cSld>
+  <p:clrMapOvr>
+    <a:masterClrMapping/>
+  </p:clrMapOvr>
+</p:sld>
+</file>
+
+<file path=ppt/slides/slide5.xml><?xml version="1.0" encoding="utf-8"?>
+<p:sld xmlns:a="http://schemas.openxmlformats.org/drawingml/2006/main" xmlns:r="http://schemas.openxmlformats.org/officeDocument/2006/relationships" xmlns:p="http://schemas.openxmlformats.org/presentationml/2006/main">
+  <p:cSld>
+    <p:spTree>
+      <p:nvGrpSpPr>
+        <p:cNvPr id="1" name=""/>
+        <p:cNvGrpSpPr/>
+        <p:nvPr/>
+      </p:nvGrpSpPr>
+      <p:grpSpPr>
+        <a:xfrm>
+          <a:off x="0" y="0"/>
+          <a:ext cx="0" cy="0"/>
+          <a:chOff x="0" y="0"/>
+          <a:chExt cx="0" cy="0"/>
+        </a:xfrm>
+      </p:grpSpPr>
+      <p:sp>
+        <p:nvSpPr>
+          <p:cNvPr id="2" name="Title 1"/>
+          <p:cNvSpPr>
+            <a:spLocks noGrp="1"/>
+          </p:cNvSpPr>
+          <p:nvPr>
+            <p:ph type="title"/>
+          </p:nvPr>
+        </p:nvSpPr>
+        <p:spPr/>
+        <p:txBody>
+          <a:bodyPr/>
+          <a:lstStyle/>
+          <a:p>
+            <a:r>
+              <a:rPr lang="en-US" dirty="0" smtClean="0"/>
+              <a:t>Human Resource System</a:t>
+            </a:r>
+            <a:endParaRPr lang="en-US" dirty="0"/>
+          </a:p>
+        </p:txBody>
+      </p:sp>
+      <p:sp>
+        <p:nvSpPr>
+          <p:cNvPr id="3" name="Content Placeholder 2"/>
+          <p:cNvSpPr>
+            <a:spLocks noGrp="1"/>
+          </p:cNvSpPr>
+          <p:nvPr>
+            <p:ph idx="1"/>
+          </p:nvPr>
+        </p:nvSpPr>
+        <p:spPr/>
+        <p:txBody>
+          <a:bodyPr/>
+          <a:lstStyle/>
+          <a:p>
+            <a:pPr>
+              <a:buNone/>
+            </a:pPr>
+            <a:endParaRPr lang="en-US" dirty="0"/>
+          </a:p>
+        </p:txBody>
+      </p:sp>
+    </p:spTree>
+  </p:cSld>
+  <p:clrMapOvr>
+    <a:masterClrMapping/>
+  </p:clrMapOvr>
+</p:sld>
+</file>
+
+<file path=ppt/slides/slide6.xml><?xml version="1.0" encoding="utf-8"?>
+<p:sld xmlns:a="http://schemas.openxmlformats.org/drawingml/2006/main" xmlns:r="http://schemas.openxmlformats.org/officeDocument/2006/relationships" xmlns:p="http://schemas.openxmlformats.org/presentationml/2006/main">
+  <p:cSld>
+    <p:spTree>
+      <p:nvGrpSpPr>
+        <p:cNvPr id="1" name=""/>
+        <p:cNvGrpSpPr/>
+        <p:nvPr/>
+      </p:nvGrpSpPr>
+      <p:grpSpPr>
+        <a:xfrm>
+          <a:off x="0" y="0"/>
+          <a:ext cx="0" cy="0"/>
+          <a:chOff x="0" y="0"/>
+          <a:chExt cx="0" cy="0"/>
+        </a:xfrm>
+      </p:grpSpPr>
+      <p:sp>
+        <p:nvSpPr>
+          <p:cNvPr id="2" name="Title 1"/>
+          <p:cNvSpPr>
+            <a:spLocks noGrp="1"/>
+          </p:cNvSpPr>
+          <p:nvPr>
+            <p:ph type="title"/>
+          </p:nvPr>
+        </p:nvSpPr>
+        <p:spPr/>
+        <p:txBody>
+          <a:bodyPr/>
+          <a:lstStyle/>
+          <a:p>
+            <a:r>
+              <a:rPr lang="en-US" dirty="0" smtClean="0"/>
+              <a:t>Provident Found System</a:t>
+            </a:r>
+            <a:endParaRPr lang="en-US" dirty="0"/>
+          </a:p>
+        </p:txBody>
+      </p:sp>
+      <p:sp>
+        <p:nvSpPr>
+          <p:cNvPr id="3" name="Content Placeholder 2"/>
+          <p:cNvSpPr>
+            <a:spLocks noGrp="1"/>
+          </p:cNvSpPr>
+          <p:nvPr>
+            <p:ph idx="1"/>
+          </p:nvPr>
+        </p:nvSpPr>
+        <p:spPr/>
+        <p:txBody>
+          <a:bodyPr/>
+          <a:lstStyle/>
+          <a:p>
+            <a:pPr>
+              <a:buNone/>
+            </a:pPr>
+            <a:endParaRPr lang="en-US" dirty="0"/>
+          </a:p>
+        </p:txBody>
+      </p:sp>
+    </p:spTree>
+  </p:cSld>
+  <p:clrMapOvr>
+    <a:masterClrMapping/>
+  </p:clrMapOvr>
+</p:sld>
 </file>
 
 <file path=ppt/theme/theme1.xml><?xml version="1.0" encoding="utf-8"?>

--- a/Proposal Docs/hr_proposal.pptx
+++ b/Proposal Docs/hr_proposal.pptx
@@ -11,6 +11,7 @@
     <p:sldId id="259" r:id="rId5"/>
     <p:sldId id="260" r:id="rId6"/>
     <p:sldId id="261" r:id="rId7"/>
+    <p:sldId id="262" r:id="rId8"/>
   </p:sldIdLst>
   <p:sldSz cx="9144000" cy="6858000" type="screen4x3"/>
   <p:notesSz cx="6858000" cy="9144000"/>
@@ -294,7 +295,7 @@
             <a:fld id="{1D8BD707-D9CF-40AE-B4C6-C98DA3205C09}" type="datetimeFigureOut">
               <a:rPr lang="en-US" smtClean="0"/>
               <a:pPr/>
-              <a:t>1/18/2014</a:t>
+              <a:t>1/19/2014</a:t>
             </a:fld>
             <a:endParaRPr lang="en-US"/>
           </a:p>
@@ -461,7 +462,7 @@
             <a:fld id="{1D8BD707-D9CF-40AE-B4C6-C98DA3205C09}" type="datetimeFigureOut">
               <a:rPr lang="en-US" smtClean="0"/>
               <a:pPr/>
-              <a:t>1/18/2014</a:t>
+              <a:t>1/19/2014</a:t>
             </a:fld>
             <a:endParaRPr lang="en-US"/>
           </a:p>
@@ -638,7 +639,7 @@
             <a:fld id="{1D8BD707-D9CF-40AE-B4C6-C98DA3205C09}" type="datetimeFigureOut">
               <a:rPr lang="en-US" smtClean="0"/>
               <a:pPr/>
-              <a:t>1/18/2014</a:t>
+              <a:t>1/19/2014</a:t>
             </a:fld>
             <a:endParaRPr lang="en-US"/>
           </a:p>
@@ -805,7 +806,7 @@
             <a:fld id="{1D8BD707-D9CF-40AE-B4C6-C98DA3205C09}" type="datetimeFigureOut">
               <a:rPr lang="en-US" smtClean="0"/>
               <a:pPr/>
-              <a:t>1/18/2014</a:t>
+              <a:t>1/19/2014</a:t>
             </a:fld>
             <a:endParaRPr lang="en-US"/>
           </a:p>
@@ -1048,7 +1049,7 @@
             <a:fld id="{1D8BD707-D9CF-40AE-B4C6-C98DA3205C09}" type="datetimeFigureOut">
               <a:rPr lang="en-US" smtClean="0"/>
               <a:pPr/>
-              <a:t>1/18/2014</a:t>
+              <a:t>1/19/2014</a:t>
             </a:fld>
             <a:endParaRPr lang="en-US"/>
           </a:p>
@@ -1333,7 +1334,7 @@
             <a:fld id="{1D8BD707-D9CF-40AE-B4C6-C98DA3205C09}" type="datetimeFigureOut">
               <a:rPr lang="en-US" smtClean="0"/>
               <a:pPr/>
-              <a:t>1/18/2014</a:t>
+              <a:t>1/19/2014</a:t>
             </a:fld>
             <a:endParaRPr lang="en-US"/>
           </a:p>
@@ -1752,7 +1753,7 @@
             <a:fld id="{1D8BD707-D9CF-40AE-B4C6-C98DA3205C09}" type="datetimeFigureOut">
               <a:rPr lang="en-US" smtClean="0"/>
               <a:pPr/>
-              <a:t>1/18/2014</a:t>
+              <a:t>1/19/2014</a:t>
             </a:fld>
             <a:endParaRPr lang="en-US"/>
           </a:p>
@@ -1867,7 +1868,7 @@
             <a:fld id="{1D8BD707-D9CF-40AE-B4C6-C98DA3205C09}" type="datetimeFigureOut">
               <a:rPr lang="en-US" smtClean="0"/>
               <a:pPr/>
-              <a:t>1/18/2014</a:t>
+              <a:t>1/19/2014</a:t>
             </a:fld>
             <a:endParaRPr lang="en-US"/>
           </a:p>
@@ -1959,7 +1960,7 @@
             <a:fld id="{1D8BD707-D9CF-40AE-B4C6-C98DA3205C09}" type="datetimeFigureOut">
               <a:rPr lang="en-US" smtClean="0"/>
               <a:pPr/>
-              <a:t>1/18/2014</a:t>
+              <a:t>1/19/2014</a:t>
             </a:fld>
             <a:endParaRPr lang="en-US"/>
           </a:p>
@@ -2233,7 +2234,7 @@
             <a:fld id="{1D8BD707-D9CF-40AE-B4C6-C98DA3205C09}" type="datetimeFigureOut">
               <a:rPr lang="en-US" smtClean="0"/>
               <a:pPr/>
-              <a:t>1/18/2014</a:t>
+              <a:t>1/19/2014</a:t>
             </a:fld>
             <a:endParaRPr lang="en-US"/>
           </a:p>
@@ -2483,7 +2484,7 @@
             <a:fld id="{1D8BD707-D9CF-40AE-B4C6-C98DA3205C09}" type="datetimeFigureOut">
               <a:rPr lang="en-US" smtClean="0"/>
               <a:pPr/>
-              <a:t>1/18/2014</a:t>
+              <a:t>1/19/2014</a:t>
             </a:fld>
             <a:endParaRPr lang="en-US"/>
           </a:p>
@@ -2693,7 +2694,7 @@
             <a:fld id="{1D8BD707-D9CF-40AE-B4C6-C98DA3205C09}" type="datetimeFigureOut">
               <a:rPr lang="en-US" smtClean="0"/>
               <a:pPr/>
-              <a:t>1/18/2014</a:t>
+              <a:t>1/19/2014</a:t>
             </a:fld>
             <a:endParaRPr lang="en-US"/>
           </a:p>
@@ -3083,11 +3084,7 @@
           <a:p>
             <a:r>
               <a:rPr lang="en-US" b="1" dirty="0" smtClean="0"/>
-              <a:t>Human Resource and Provident Found </a:t>
-            </a:r>
-            <a:r>
-              <a:rPr lang="en-US" b="1" dirty="0" smtClean="0"/>
-              <a:t>System</a:t>
+              <a:t>Human Resource and Provident Found System</a:t>
             </a:r>
             <a:endParaRPr lang="en-US" dirty="0"/>
           </a:p>
@@ -3103,20 +3100,140 @@
             <p:ph type="subTitle" idx="1"/>
           </p:nvPr>
         </p:nvSpPr>
-        <p:spPr/>
-        <p:txBody>
-          <a:bodyPr/>
-          <a:lstStyle/>
-          <a:p>
-            <a:r>
-              <a:rPr lang="en-US" b="1" dirty="0" smtClean="0"/>
-              <a:t>SUBMITTED BY: INFINITY IDEA </a:t>
-            </a:r>
-            <a:r>
-              <a:rPr lang="en-US" b="1" dirty="0" smtClean="0"/>
+        <p:spPr>
+          <a:xfrm>
+            <a:off x="1371600" y="4572000"/>
+            <a:ext cx="6400800" cy="1066800"/>
+          </a:xfrm>
+        </p:spPr>
+        <p:txBody>
+          <a:bodyPr>
+            <a:normAutofit/>
+          </a:bodyPr>
+          <a:lstStyle/>
+          <a:p>
+            <a:r>
+              <a:rPr lang="en-US" sz="1800" b="1" dirty="0" smtClean="0"/>
+              <a:t>PRESENTED</a:t>
+            </a:r>
+            <a:r>
+              <a:rPr lang="en-US" sz="1800" b="1" dirty="0" smtClean="0"/>
+              <a:t> </a:t>
+            </a:r>
+            <a:r>
+              <a:rPr lang="en-US" sz="1800" b="1" dirty="0" smtClean="0"/>
+              <a:t>TO: BANGLADESH FIRE SERVICE AND CIVIL </a:t>
+            </a:r>
+            <a:r>
+              <a:rPr lang="en-US" sz="1800" b="1" dirty="0" smtClean="0"/>
+              <a:t>DEFENCE</a:t>
+            </a:r>
+            <a:endParaRPr lang="en-US" sz="1800" b="1" dirty="0" smtClean="0"/>
+          </a:p>
+          <a:p>
+            <a:r>
+              <a:rPr lang="en-US" sz="1600" b="1" dirty="0" smtClean="0"/>
+              <a:t>PRESENTED BY: </a:t>
+            </a:r>
+            <a:r>
+              <a:rPr lang="en-US" sz="1600" b="1" dirty="0" smtClean="0"/>
+              <a:t>INFINITY IDEA </a:t>
+            </a:r>
+            <a:r>
+              <a:rPr lang="en-US" sz="1600" b="1" dirty="0" smtClean="0"/>
               <a:t>EXPLORE</a:t>
             </a:r>
-            <a:endParaRPr lang="en-US" dirty="0" smtClean="0"/>
+          </a:p>
+          <a:p>
+            <a:r>
+              <a:rPr lang="en-US" sz="1600" b="1" dirty="0" smtClean="0"/>
+              <a:t>Date: 01 Jan 2014</a:t>
+            </a:r>
+            <a:endParaRPr lang="en-US" sz="1600" dirty="0" smtClean="0"/>
+          </a:p>
+        </p:txBody>
+      </p:sp>
+      <p:sp>
+        <p:nvSpPr>
+          <p:cNvPr id="5" name="Title 1"/>
+          <p:cNvSpPr txBox="1">
+            <a:spLocks/>
+          </p:cNvSpPr>
+          <p:nvPr/>
+        </p:nvSpPr>
+        <p:spPr>
+          <a:xfrm>
+            <a:off x="838200" y="685800"/>
+            <a:ext cx="7772400" cy="914400"/>
+          </a:xfrm>
+          <a:prstGeom prst="rect">
+            <a:avLst/>
+          </a:prstGeom>
+        </p:spPr>
+        <p:txBody>
+          <a:bodyPr vert="horz" lIns="91440" tIns="45720" rIns="91440" bIns="45720" rtlCol="0" anchor="ctr">
+            <a:normAutofit fontScale="92500" lnSpcReduction="20000"/>
+          </a:bodyPr>
+          <a:lstStyle/>
+          <a:p>
+            <a:pPr lvl="0">
+              <a:spcBef>
+                <a:spcPct val="0"/>
+              </a:spcBef>
+            </a:pPr>
+            <a:r>
+              <a:rPr lang="en-US" sz="3600" b="1" dirty="0" smtClean="0">
+                <a:latin typeface="+mj-lt"/>
+                <a:ea typeface="+mj-ea"/>
+                <a:cs typeface="+mj-cs"/>
+              </a:rPr>
+              <a:t>		Presentation</a:t>
+            </a:r>
+            <a:r>
+              <a:rPr lang="en-US" sz="4400" dirty="0" smtClean="0">
+                <a:latin typeface="+mj-lt"/>
+                <a:ea typeface="+mj-ea"/>
+                <a:cs typeface="+mj-cs"/>
+              </a:rPr>
+              <a:t> </a:t>
+            </a:r>
+          </a:p>
+          <a:p>
+            <a:pPr lvl="0" algn="ctr">
+              <a:spcBef>
+                <a:spcPct val="0"/>
+              </a:spcBef>
+            </a:pPr>
+            <a:r>
+              <a:rPr lang="en-US" sz="2800" dirty="0" smtClean="0">
+                <a:latin typeface="+mj-lt"/>
+                <a:ea typeface="+mj-ea"/>
+                <a:cs typeface="+mj-cs"/>
+              </a:rPr>
+              <a:t>	</a:t>
+            </a:r>
+            <a:r>
+              <a:rPr lang="en-US" sz="2400" b="1" dirty="0" smtClean="0">
+                <a:latin typeface="+mj-lt"/>
+                <a:ea typeface="+mj-ea"/>
+                <a:cs typeface="+mj-cs"/>
+              </a:rPr>
+              <a:t>On</a:t>
+            </a:r>
+            <a:endParaRPr kumimoji="0" lang="en-US" sz="2400" b="1" i="0" u="none" strike="noStrike" kern="1200" cap="none" spc="0" normalizeH="0" baseline="0" noProof="0" dirty="0">
+              <a:ln>
+                <a:noFill/>
+              </a:ln>
+              <a:solidFill>
+                <a:schemeClr val="tx1"/>
+              </a:solidFill>
+              <a:effectLst/>
+              <a:uLnTx/>
+              <a:uFillTx/>
+              <a:latin typeface="+mj-lt"/>
+              <a:ea typeface="+mj-ea"/>
+              <a:cs typeface="+mj-cs"/>
+            </a:endParaRPr>
           </a:p>
         </p:txBody>
       </p:sp>
@@ -3199,7 +3316,13 @@
           <a:p>
             <a:r>
               <a:rPr lang="en-US" dirty="0" smtClean="0"/>
-              <a:t>Human Resource </a:t>
+              <a:t>Human Resource System</a:t>
+            </a:r>
+          </a:p>
+          <a:p>
+            <a:r>
+              <a:rPr lang="en-US" dirty="0" smtClean="0"/>
+              <a:t>Provident Found </a:t>
             </a:r>
             <a:r>
               <a:rPr lang="en-US" dirty="0" smtClean="0"/>
@@ -3209,7 +3332,15 @@
           <a:p>
             <a:r>
               <a:rPr lang="en-US" dirty="0" smtClean="0"/>
-              <a:t>Provident Found System</a:t>
+              <a:t>Key </a:t>
+            </a:r>
+            <a:r>
+              <a:rPr lang="en-US" dirty="0" smtClean="0"/>
+              <a:t>O</a:t>
+            </a:r>
+            <a:r>
+              <a:rPr lang="en-US" dirty="0" smtClean="0"/>
+              <a:t>f This System</a:t>
             </a:r>
             <a:endParaRPr lang="en-US" dirty="0"/>
           </a:p>
@@ -3492,6 +3623,79 @@
               <a:buNone/>
             </a:pPr>
             <a:endParaRPr lang="en-US" dirty="0"/>
+          </a:p>
+        </p:txBody>
+      </p:sp>
+    </p:spTree>
+  </p:cSld>
+  <p:clrMapOvr>
+    <a:masterClrMapping/>
+  </p:clrMapOvr>
+</p:sld>
+</file>
+
+<file path=ppt/slides/slide7.xml><?xml version="1.0" encoding="utf-8"?>
+<p:sld xmlns:a="http://schemas.openxmlformats.org/drawingml/2006/main" xmlns:r="http://schemas.openxmlformats.org/officeDocument/2006/relationships" xmlns:p="http://schemas.openxmlformats.org/presentationml/2006/main">
+  <p:cSld>
+    <p:spTree>
+      <p:nvGrpSpPr>
+        <p:cNvPr id="1" name=""/>
+        <p:cNvGrpSpPr/>
+        <p:nvPr/>
+      </p:nvGrpSpPr>
+      <p:grpSpPr>
+        <a:xfrm>
+          <a:off x="0" y="0"/>
+          <a:ext cx="0" cy="0"/>
+          <a:chOff x="0" y="0"/>
+          <a:chExt cx="0" cy="0"/>
+        </a:xfrm>
+      </p:grpSpPr>
+      <p:sp>
+        <p:nvSpPr>
+          <p:cNvPr id="2" name="Title 1"/>
+          <p:cNvSpPr>
+            <a:spLocks noGrp="1"/>
+          </p:cNvSpPr>
+          <p:nvPr>
+            <p:ph type="title"/>
+          </p:nvPr>
+        </p:nvSpPr>
+        <p:spPr/>
+        <p:txBody>
+          <a:bodyPr>
+            <a:normAutofit/>
+          </a:bodyPr>
+          <a:lstStyle/>
+          <a:p>
+            <a:r>
+              <a:rPr lang="en-US" dirty="0" smtClean="0"/>
+              <a:t>Key Of This </a:t>
+            </a:r>
+            <a:r>
+              <a:rPr lang="en-US" dirty="0" smtClean="0"/>
+              <a:t>System</a:t>
+            </a:r>
+            <a:endParaRPr lang="en-US" dirty="0"/>
+          </a:p>
+        </p:txBody>
+      </p:sp>
+      <p:sp>
+        <p:nvSpPr>
+          <p:cNvPr id="3" name="Content Placeholder 2"/>
+          <p:cNvSpPr>
+            <a:spLocks noGrp="1"/>
+          </p:cNvSpPr>
+          <p:nvPr>
+            <p:ph idx="1"/>
+          </p:nvPr>
+        </p:nvSpPr>
+        <p:spPr/>
+        <p:txBody>
+          <a:bodyPr/>
+          <a:lstStyle/>
+          <a:p>
+            <a:endParaRPr lang="en-US"/>
           </a:p>
         </p:txBody>
       </p:sp>

--- a/Proposal Docs/hr_proposal.pptx
+++ b/Proposal Docs/hr_proposal.pptx
@@ -295,7 +295,7 @@
             <a:fld id="{1D8BD707-D9CF-40AE-B4C6-C98DA3205C09}" type="datetimeFigureOut">
               <a:rPr lang="en-US" smtClean="0"/>
               <a:pPr/>
-              <a:t>1/19/2014</a:t>
+              <a:t>3/16/2014</a:t>
             </a:fld>
             <a:endParaRPr lang="en-US"/>
           </a:p>
@@ -462,7 +462,7 @@
             <a:fld id="{1D8BD707-D9CF-40AE-B4C6-C98DA3205C09}" type="datetimeFigureOut">
               <a:rPr lang="en-US" smtClean="0"/>
               <a:pPr/>
-              <a:t>1/19/2014</a:t>
+              <a:t>3/16/2014</a:t>
             </a:fld>
             <a:endParaRPr lang="en-US"/>
           </a:p>
@@ -639,7 +639,7 @@
             <a:fld id="{1D8BD707-D9CF-40AE-B4C6-C98DA3205C09}" type="datetimeFigureOut">
               <a:rPr lang="en-US" smtClean="0"/>
               <a:pPr/>
-              <a:t>1/19/2014</a:t>
+              <a:t>3/16/2014</a:t>
             </a:fld>
             <a:endParaRPr lang="en-US"/>
           </a:p>
@@ -806,7 +806,7 @@
             <a:fld id="{1D8BD707-D9CF-40AE-B4C6-C98DA3205C09}" type="datetimeFigureOut">
               <a:rPr lang="en-US" smtClean="0"/>
               <a:pPr/>
-              <a:t>1/19/2014</a:t>
+              <a:t>3/16/2014</a:t>
             </a:fld>
             <a:endParaRPr lang="en-US"/>
           </a:p>
@@ -1049,7 +1049,7 @@
             <a:fld id="{1D8BD707-D9CF-40AE-B4C6-C98DA3205C09}" type="datetimeFigureOut">
               <a:rPr lang="en-US" smtClean="0"/>
               <a:pPr/>
-              <a:t>1/19/2014</a:t>
+              <a:t>3/16/2014</a:t>
             </a:fld>
             <a:endParaRPr lang="en-US"/>
           </a:p>
@@ -1334,7 +1334,7 @@
             <a:fld id="{1D8BD707-D9CF-40AE-B4C6-C98DA3205C09}" type="datetimeFigureOut">
               <a:rPr lang="en-US" smtClean="0"/>
               <a:pPr/>
-              <a:t>1/19/2014</a:t>
+              <a:t>3/16/2014</a:t>
             </a:fld>
             <a:endParaRPr lang="en-US"/>
           </a:p>
@@ -1753,7 +1753,7 @@
             <a:fld id="{1D8BD707-D9CF-40AE-B4C6-C98DA3205C09}" type="datetimeFigureOut">
               <a:rPr lang="en-US" smtClean="0"/>
               <a:pPr/>
-              <a:t>1/19/2014</a:t>
+              <a:t>3/16/2014</a:t>
             </a:fld>
             <a:endParaRPr lang="en-US"/>
           </a:p>
@@ -1868,7 +1868,7 @@
             <a:fld id="{1D8BD707-D9CF-40AE-B4C6-C98DA3205C09}" type="datetimeFigureOut">
               <a:rPr lang="en-US" smtClean="0"/>
               <a:pPr/>
-              <a:t>1/19/2014</a:t>
+              <a:t>3/16/2014</a:t>
             </a:fld>
             <a:endParaRPr lang="en-US"/>
           </a:p>
@@ -1960,7 +1960,7 @@
             <a:fld id="{1D8BD707-D9CF-40AE-B4C6-C98DA3205C09}" type="datetimeFigureOut">
               <a:rPr lang="en-US" smtClean="0"/>
               <a:pPr/>
-              <a:t>1/19/2014</a:t>
+              <a:t>3/16/2014</a:t>
             </a:fld>
             <a:endParaRPr lang="en-US"/>
           </a:p>
@@ -2234,7 +2234,7 @@
             <a:fld id="{1D8BD707-D9CF-40AE-B4C6-C98DA3205C09}" type="datetimeFigureOut">
               <a:rPr lang="en-US" smtClean="0"/>
               <a:pPr/>
-              <a:t>1/19/2014</a:t>
+              <a:t>3/16/2014</a:t>
             </a:fld>
             <a:endParaRPr lang="en-US"/>
           </a:p>
@@ -2484,7 +2484,7 @@
             <a:fld id="{1D8BD707-D9CF-40AE-B4C6-C98DA3205C09}" type="datetimeFigureOut">
               <a:rPr lang="en-US" smtClean="0"/>
               <a:pPr/>
-              <a:t>1/19/2014</a:t>
+              <a:t>3/16/2014</a:t>
             </a:fld>
             <a:endParaRPr lang="en-US"/>
           </a:p>
@@ -2694,7 +2694,7 @@
             <a:fld id="{1D8BD707-D9CF-40AE-B4C6-C98DA3205C09}" type="datetimeFigureOut">
               <a:rPr lang="en-US" smtClean="0"/>
               <a:pPr/>
-              <a:t>1/19/2014</a:t>
+              <a:t>3/16/2014</a:t>
             </a:fld>
             <a:endParaRPr lang="en-US"/>
           </a:p>
@@ -3114,34 +3114,13 @@
           <a:p>
             <a:r>
               <a:rPr lang="en-US" sz="1800" b="1" dirty="0" smtClean="0"/>
-              <a:t>PRESENTED</a:t>
-            </a:r>
-            <a:r>
-              <a:rPr lang="en-US" sz="1800" b="1" dirty="0" smtClean="0"/>
-              <a:t> </a:t>
-            </a:r>
-            <a:r>
-              <a:rPr lang="en-US" sz="1800" b="1" dirty="0" smtClean="0"/>
-              <a:t>TO: BANGLADESH FIRE SERVICE AND CIVIL </a:t>
-            </a:r>
-            <a:r>
-              <a:rPr lang="en-US" sz="1800" b="1" dirty="0" smtClean="0"/>
-              <a:t>DEFENCE</a:t>
-            </a:r>
-            <a:endParaRPr lang="en-US" sz="1800" b="1" dirty="0" smtClean="0"/>
+              <a:t>PRESENTED TO: BANGLADESH FIRE SERVICE AND CIVIL DEFENCE</a:t>
+            </a:r>
           </a:p>
           <a:p>
             <a:r>
               <a:rPr lang="en-US" sz="1600" b="1" dirty="0" smtClean="0"/>
-              <a:t>PRESENTED BY: </a:t>
-            </a:r>
-            <a:r>
-              <a:rPr lang="en-US" sz="1600" b="1" dirty="0" smtClean="0"/>
-              <a:t>INFINITY IDEA </a:t>
-            </a:r>
-            <a:r>
-              <a:rPr lang="en-US" sz="1600" b="1" dirty="0" smtClean="0"/>
-              <a:t>EXPLORE</a:t>
+              <a:t>PRESENTED BY: INFINITY IDEA EXPLORE</a:t>
             </a:r>
           </a:p>
           <a:p>
@@ -3322,25 +3301,13 @@
           <a:p>
             <a:r>
               <a:rPr lang="en-US" dirty="0" smtClean="0"/>
-              <a:t>Provident Found </a:t>
-            </a:r>
-            <a:r>
-              <a:rPr lang="en-US" dirty="0" smtClean="0"/>
-              <a:t>System</a:t>
-            </a:r>
-          </a:p>
-          <a:p>
-            <a:r>
-              <a:rPr lang="en-US" dirty="0" smtClean="0"/>
-              <a:t>Key </a:t>
-            </a:r>
-            <a:r>
-              <a:rPr lang="en-US" dirty="0" smtClean="0"/>
-              <a:t>O</a:t>
-            </a:r>
-            <a:r>
-              <a:rPr lang="en-US" dirty="0" smtClean="0"/>
-              <a:t>f This System</a:t>
+              <a:t>Provident Found System</a:t>
+            </a:r>
+          </a:p>
+          <a:p>
+            <a:r>
+              <a:rPr lang="en-US" dirty="0" smtClean="0"/>
+              <a:t>Key Of This System</a:t>
             </a:r>
             <a:endParaRPr lang="en-US" dirty="0"/>
           </a:p>
@@ -3412,6 +3379,22 @@
             <a:pPr>
               <a:buNone/>
             </a:pPr>
+            <a:r>
+              <a:rPr lang="en-US" dirty="0" smtClean="0"/>
+              <a:t>Automation or automatic control, is the use </a:t>
+            </a:r>
+            <a:r>
+              <a:rPr lang="en-US" dirty="0" smtClean="0"/>
+              <a:t>of various </a:t>
+            </a:r>
+            <a:r>
+              <a:rPr lang="en-US" dirty="0" smtClean="0"/>
+              <a:t>control systems for operating </a:t>
+            </a:r>
+            <a:r>
+              <a:rPr lang="en-US" dirty="0" smtClean="0"/>
+              <a:t>equipment.</a:t>
+            </a:r>
             <a:endParaRPr lang="en-US" dirty="0"/>
           </a:p>
         </p:txBody>
@@ -3479,9 +3462,43 @@
           <a:bodyPr/>
           <a:lstStyle/>
           <a:p>
-            <a:pPr>
-              <a:buNone/>
-            </a:pPr>
+            <a:r>
+              <a:rPr lang="en-US" dirty="0" smtClean="0"/>
+              <a:t>Increased through output or productivity.</a:t>
+            </a:r>
+          </a:p>
+          <a:p>
+            <a:r>
+              <a:rPr lang="en-US" dirty="0" smtClean="0"/>
+              <a:t>Improved quality or increased predictability of quality</a:t>
+            </a:r>
+            <a:r>
+              <a:rPr lang="en-US" dirty="0" smtClean="0"/>
+              <a:t>.</a:t>
+            </a:r>
+            <a:endParaRPr lang="en-US" dirty="0" smtClean="0"/>
+          </a:p>
+          <a:p>
+            <a:r>
+              <a:rPr lang="en-US" dirty="0" smtClean="0"/>
+              <a:t>Increased consistency of output.</a:t>
+            </a:r>
+          </a:p>
+          <a:p>
+            <a:r>
+              <a:rPr lang="en-US" dirty="0" smtClean="0"/>
+              <a:t>Reduced direct human labor costs and expenses</a:t>
+            </a:r>
+            <a:r>
+              <a:rPr lang="en-US" dirty="0" smtClean="0"/>
+              <a:t>.</a:t>
+            </a:r>
+          </a:p>
+          <a:p>
+            <a:r>
+              <a:rPr lang="en-US" dirty="0" smtClean="0"/>
+              <a:t>Provides higher level jobs in the development, deployment, maintenance</a:t>
+            </a:r>
             <a:endParaRPr lang="en-US" dirty="0"/>
           </a:p>
         </p:txBody>
@@ -3546,8 +3563,80 @@
         </p:nvSpPr>
         <p:spPr/>
         <p:txBody>
-          <a:bodyPr/>
-          <a:lstStyle/>
+          <a:bodyPr>
+            <a:normAutofit/>
+          </a:bodyPr>
+          <a:lstStyle/>
+          <a:p>
+            <a:r>
+              <a:rPr lang="en-US" dirty="0" smtClean="0"/>
+              <a:t>Personnel </a:t>
+            </a:r>
+            <a:r>
+              <a:rPr lang="en-US" dirty="0" smtClean="0"/>
+              <a:t>Information </a:t>
+            </a:r>
+            <a:r>
+              <a:rPr lang="en-US" dirty="0" smtClean="0"/>
+              <a:t>Management</a:t>
+            </a:r>
+          </a:p>
+          <a:p>
+            <a:r>
+              <a:rPr lang="en-US" dirty="0" smtClean="0"/>
+              <a:t>Leave / </a:t>
+            </a:r>
+            <a:r>
+              <a:rPr lang="en-US" dirty="0" smtClean="0"/>
+              <a:t>Time-OFF</a:t>
+            </a:r>
+          </a:p>
+          <a:p>
+            <a:r>
+              <a:rPr lang="en-US" dirty="0" smtClean="0"/>
+              <a:t>Performance</a:t>
+            </a:r>
+          </a:p>
+          <a:p>
+            <a:r>
+              <a:rPr lang="en-US" dirty="0" smtClean="0"/>
+              <a:t>Corporate </a:t>
+            </a:r>
+            <a:r>
+              <a:rPr lang="en-US" dirty="0" smtClean="0"/>
+              <a:t>Directory</a:t>
+            </a:r>
+          </a:p>
+          <a:p>
+            <a:r>
+              <a:rPr lang="en-US" dirty="0" smtClean="0"/>
+              <a:t>News Publisher and Policy </a:t>
+            </a:r>
+            <a:r>
+              <a:rPr lang="en-US" dirty="0" smtClean="0"/>
+              <a:t>Management</a:t>
+            </a:r>
+          </a:p>
+          <a:p>
+            <a:r>
+              <a:rPr lang="en-US" dirty="0" smtClean="0"/>
+              <a:t>Audit </a:t>
+            </a:r>
+            <a:r>
+              <a:rPr lang="en-US" dirty="0" smtClean="0"/>
+              <a:t>Trail</a:t>
+            </a:r>
+          </a:p>
+          <a:p>
+            <a:r>
+              <a:rPr lang="en-US" dirty="0" smtClean="0"/>
+              <a:t>Create training </a:t>
+            </a:r>
+            <a:r>
+              <a:rPr lang="en-US" dirty="0" smtClean="0"/>
+              <a:t>packages, courses and reports</a:t>
+            </a:r>
+          </a:p>
           <a:p>
             <a:pPr>
               <a:buNone/>
@@ -3619,9 +3708,63 @@
           <a:bodyPr/>
           <a:lstStyle/>
           <a:p>
-            <a:pPr>
-              <a:buNone/>
-            </a:pPr>
+            <a:r>
+              <a:rPr lang="en-US" dirty="0" smtClean="0"/>
+              <a:t>Trust </a:t>
+            </a:r>
+            <a:r>
+              <a:rPr lang="en-US" dirty="0" smtClean="0"/>
+              <a:t>Accounting</a:t>
+            </a:r>
+          </a:p>
+          <a:p>
+            <a:r>
+              <a:rPr lang="en-US" dirty="0" smtClean="0"/>
+              <a:t>Loan </a:t>
+            </a:r>
+            <a:r>
+              <a:rPr lang="en-US" dirty="0" smtClean="0"/>
+              <a:t>Accounting</a:t>
+            </a:r>
+          </a:p>
+          <a:p>
+            <a:r>
+              <a:rPr lang="en-US" dirty="0" smtClean="0"/>
+              <a:t>Calculate Share of </a:t>
+            </a:r>
+            <a:r>
+              <a:rPr lang="en-US" dirty="0" smtClean="0"/>
+              <a:t>Profit</a:t>
+            </a:r>
+          </a:p>
+          <a:p>
+            <a:r>
+              <a:rPr lang="en-US" dirty="0" smtClean="0"/>
+              <a:t>Manage Investment Information</a:t>
+            </a:r>
+            <a:endParaRPr lang="en-US" dirty="0" smtClean="0"/>
+          </a:p>
+          <a:p>
+            <a:r>
+              <a:rPr lang="en-US" dirty="0" smtClean="0"/>
+              <a:t>Security Aspects</a:t>
+            </a:r>
+          </a:p>
+          <a:p>
+            <a:r>
+              <a:rPr lang="en-US" dirty="0" smtClean="0"/>
+              <a:t>Customization &amp; </a:t>
+            </a:r>
+            <a:r>
+              <a:rPr lang="en-US" dirty="0" smtClean="0"/>
+              <a:t>Implementation</a:t>
+            </a:r>
+          </a:p>
+          <a:p>
+            <a:r>
+              <a:rPr lang="en-US" dirty="0" smtClean="0"/>
+              <a:t>Centralized Control</a:t>
+            </a:r>
             <a:endParaRPr lang="en-US" dirty="0"/>
           </a:p>
         </p:txBody>
@@ -3670,11 +3813,7 @@
           <a:p>
             <a:r>
               <a:rPr lang="en-US" dirty="0" smtClean="0"/>
-              <a:t>Key Of This </a:t>
-            </a:r>
-            <a:r>
-              <a:rPr lang="en-US" dirty="0" smtClean="0"/>
-              <a:t>System</a:t>
+              <a:t>Key Of This System</a:t>
             </a:r>
             <a:endParaRPr lang="en-US" dirty="0"/>
           </a:p>
@@ -3695,7 +3834,11 @@
           <a:bodyPr/>
           <a:lstStyle/>
           <a:p>
-            <a:endParaRPr lang="en-US"/>
+            <a:r>
+              <a:rPr lang="en-US" smtClean="0"/>
+              <a:t>Dashbord</a:t>
+            </a:r>
+            <a:endParaRPr lang="en-US" dirty="0"/>
           </a:p>
         </p:txBody>
       </p:sp>
